--- a/DocumentTemplates/CertificateBackground_SN.pptx
+++ b/DocumentTemplates/CertificateBackground_SN.pptx
@@ -251,7 +251,7 @@
           <a:p>
             <a:fld id="{E0C45857-5204-4055-BBBB-5D81F6C0DEE1}" type="datetimeFigureOut">
               <a:rPr lang="en-US" smtClean="0"/>
-              <a:t>2/8/2024</a:t>
+              <a:t>5/16/2024</a:t>
             </a:fld>
             <a:endParaRPr lang="en-US"/>
           </a:p>
@@ -421,7 +421,7 @@
           <a:p>
             <a:fld id="{E0C45857-5204-4055-BBBB-5D81F6C0DEE1}" type="datetimeFigureOut">
               <a:rPr lang="en-US" smtClean="0"/>
-              <a:t>2/8/2024</a:t>
+              <a:t>5/16/2024</a:t>
             </a:fld>
             <a:endParaRPr lang="en-US"/>
           </a:p>
@@ -601,7 +601,7 @@
           <a:p>
             <a:fld id="{E0C45857-5204-4055-BBBB-5D81F6C0DEE1}" type="datetimeFigureOut">
               <a:rPr lang="en-US" smtClean="0"/>
-              <a:t>2/8/2024</a:t>
+              <a:t>5/16/2024</a:t>
             </a:fld>
             <a:endParaRPr lang="en-US"/>
           </a:p>
@@ -771,7 +771,7 @@
           <a:p>
             <a:fld id="{E0C45857-5204-4055-BBBB-5D81F6C0DEE1}" type="datetimeFigureOut">
               <a:rPr lang="en-US" smtClean="0"/>
-              <a:t>2/8/2024</a:t>
+              <a:t>5/16/2024</a:t>
             </a:fld>
             <a:endParaRPr lang="en-US"/>
           </a:p>
@@ -1015,7 +1015,7 @@
           <a:p>
             <a:fld id="{E0C45857-5204-4055-BBBB-5D81F6C0DEE1}" type="datetimeFigureOut">
               <a:rPr lang="en-US" smtClean="0"/>
-              <a:t>2/8/2024</a:t>
+              <a:t>5/16/2024</a:t>
             </a:fld>
             <a:endParaRPr lang="en-US"/>
           </a:p>
@@ -1247,7 +1247,7 @@
           <a:p>
             <a:fld id="{E0C45857-5204-4055-BBBB-5D81F6C0DEE1}" type="datetimeFigureOut">
               <a:rPr lang="en-US" smtClean="0"/>
-              <a:t>2/8/2024</a:t>
+              <a:t>5/16/2024</a:t>
             </a:fld>
             <a:endParaRPr lang="en-US"/>
           </a:p>
@@ -1614,7 +1614,7 @@
           <a:p>
             <a:fld id="{E0C45857-5204-4055-BBBB-5D81F6C0DEE1}" type="datetimeFigureOut">
               <a:rPr lang="en-US" smtClean="0"/>
-              <a:t>2/8/2024</a:t>
+              <a:t>5/16/2024</a:t>
             </a:fld>
             <a:endParaRPr lang="en-US"/>
           </a:p>
@@ -1732,7 +1732,7 @@
           <a:p>
             <a:fld id="{E0C45857-5204-4055-BBBB-5D81F6C0DEE1}" type="datetimeFigureOut">
               <a:rPr lang="en-US" smtClean="0"/>
-              <a:t>2/8/2024</a:t>
+              <a:t>5/16/2024</a:t>
             </a:fld>
             <a:endParaRPr lang="en-US"/>
           </a:p>
@@ -1827,7 +1827,7 @@
           <a:p>
             <a:fld id="{E0C45857-5204-4055-BBBB-5D81F6C0DEE1}" type="datetimeFigureOut">
               <a:rPr lang="en-US" smtClean="0"/>
-              <a:t>2/8/2024</a:t>
+              <a:t>5/16/2024</a:t>
             </a:fld>
             <a:endParaRPr lang="en-US"/>
           </a:p>
@@ -2104,7 +2104,7 @@
           <a:p>
             <a:fld id="{E0C45857-5204-4055-BBBB-5D81F6C0DEE1}" type="datetimeFigureOut">
               <a:rPr lang="en-US" smtClean="0"/>
-              <a:t>2/8/2024</a:t>
+              <a:t>5/16/2024</a:t>
             </a:fld>
             <a:endParaRPr lang="en-US"/>
           </a:p>
@@ -2361,7 +2361,7 @@
           <a:p>
             <a:fld id="{E0C45857-5204-4055-BBBB-5D81F6C0DEE1}" type="datetimeFigureOut">
               <a:rPr lang="en-US" smtClean="0"/>
-              <a:t>2/8/2024</a:t>
+              <a:t>5/16/2024</a:t>
             </a:fld>
             <a:endParaRPr lang="en-US"/>
           </a:p>
@@ -2574,7 +2574,7 @@
           <a:p>
             <a:fld id="{E0C45857-5204-4055-BBBB-5D81F6C0DEE1}" type="datetimeFigureOut">
               <a:rPr lang="en-US" smtClean="0"/>
-              <a:t>2/8/2024</a:t>
+              <a:t>5/16/2024</a:t>
             </a:fld>
             <a:endParaRPr lang="en-US"/>
           </a:p>
@@ -3531,7 +3531,7 @@
         <p:spPr>
           <a:xfrm>
             <a:off x="2272971" y="2248837"/>
-            <a:ext cx="7388388" cy="2637389"/>
+            <a:ext cx="7388388" cy="3853876"/>
           </a:xfrm>
           <a:prstGeom prst="rect">
             <a:avLst/>
@@ -3585,6 +3585,73 @@
               </a:rPr>
               <a:t>}}</a:t>
             </a:r>
+          </a:p>
+          <a:p>
+            <a:pPr marL="1497330">
+              <a:spcBef>
+                <a:spcPts val="685"/>
+              </a:spcBef>
+            </a:pPr>
+            <a:r>
+              <a:rPr kumimoji="0" lang="en-US" sz="2000" b="1" i="0" u="none" strike="noStrike" kern="1200" cap="none" spc="0" normalizeH="0" baseline="0" noProof="0" dirty="0">
+                <a:ln>
+                  <a:noFill/>
+                </a:ln>
+                <a:solidFill>
+                  <a:srgbClr val="3B305B"/>
+                </a:solidFill>
+                <a:effectLst/>
+                <a:uLnTx/>
+                <a:uFillTx/>
+                <a:latin typeface="BC Sans"/>
+                <a:ea typeface="Verdana" panose="020B0604030504040204" pitchFamily="34" charset="0"/>
+                <a:cs typeface="Verdana" panose="020B0604030504040204" pitchFamily="34" charset="0"/>
+              </a:rPr>
+              <a:t>{{</a:t>
+            </a:r>
+            <a:r>
+              <a:rPr kumimoji="0" lang="en-US" sz="2000" b="1" i="0" u="none" strike="noStrike" kern="1200" cap="none" spc="0" normalizeH="0" baseline="0" noProof="0" dirty="0" err="1">
+                <a:ln>
+                  <a:noFill/>
+                </a:ln>
+                <a:solidFill>
+                  <a:srgbClr val="3B305B"/>
+                </a:solidFill>
+                <a:effectLst/>
+                <a:uLnTx/>
+                <a:uFillTx/>
+                <a:latin typeface="BC Sans"/>
+                <a:ea typeface="Verdana" panose="020B0604030504040204" pitchFamily="34" charset="0"/>
+                <a:cs typeface="Verdana" panose="020B0604030504040204" pitchFamily="34" charset="0"/>
+              </a:rPr>
+              <a:t>RegistrantName</a:t>
+            </a:r>
+            <a:r>
+              <a:rPr kumimoji="0" lang="en-US" sz="2000" b="1" i="0" u="none" strike="noStrike" kern="1200" cap="none" spc="0" normalizeH="0" baseline="0" noProof="0" dirty="0">
+                <a:ln>
+                  <a:noFill/>
+                </a:ln>
+                <a:solidFill>
+                  <a:srgbClr val="3B305B"/>
+                </a:solidFill>
+                <a:effectLst/>
+                <a:uLnTx/>
+                <a:uFillTx/>
+                <a:latin typeface="BC Sans"/>
+                <a:ea typeface="Verdana" panose="020B0604030504040204" pitchFamily="34" charset="0"/>
+                <a:cs typeface="Verdana" panose="020B0604030504040204" pitchFamily="34" charset="0"/>
+              </a:rPr>
+              <a:t>}}</a:t>
+            </a:r>
+            <a:endParaRPr lang="en-US" sz="2000" dirty="0">
+              <a:solidFill>
+                <a:srgbClr val="3B305B"/>
+              </a:solidFill>
+              <a:effectLst/>
+              <a:latin typeface="BC Sans"/>
+              <a:ea typeface="Verdana" panose="020B0604030504040204" pitchFamily="34" charset="0"/>
+              <a:cs typeface="Verdana" panose="020B0604030504040204" pitchFamily="34" charset="0"/>
+            </a:endParaRPr>
           </a:p>
           <a:p>
             <a:pPr marL="1497330">
@@ -3774,11 +3841,6 @@
               </a:rPr>
               <a:t>}}</a:t>
             </a:r>
-            <a:endParaRPr lang="en-US" sz="1400" dirty="0">
-              <a:latin typeface="BC Sans"/>
-              <a:ea typeface="Verdana" panose="020B0604030504040204" pitchFamily="34" charset="0"/>
-              <a:cs typeface="Verdana" panose="020B0604030504040204" pitchFamily="34" charset="0"/>
-            </a:endParaRPr>
           </a:p>
           <a:p>
             <a:pPr marL="1496060" marR="3183255">
@@ -3805,83 +3867,84 @@
                 <a:spcPts val="515"/>
               </a:spcBef>
             </a:pPr>
+            <a:r>
+              <a:rPr lang="en-US" sz="1400" dirty="0">
+                <a:solidFill>
+                  <a:srgbClr val="3B305B"/>
+                </a:solidFill>
+                <a:latin typeface="BC Sans"/>
+                <a:ea typeface="Verdana" panose="020B0604030504040204" pitchFamily="34" charset="0"/>
+              </a:rPr>
+              <a:t>Assisted Living Service(s): {{</a:t>
+            </a:r>
+            <a:r>
+              <a:rPr lang="en-US" sz="1400" b="0" dirty="0">
+                <a:solidFill>
+                  <a:srgbClr val="A31515"/>
+                </a:solidFill>
+                <a:effectLst/>
+                <a:latin typeface="Consolas" panose="020B0609020204030204" pitchFamily="49" charset="0"/>
+              </a:rPr>
+              <a:t>Services</a:t>
+            </a:r>
+            <a:r>
+              <a:rPr lang="en-US" sz="1400" dirty="0">
+                <a:solidFill>
+                  <a:srgbClr val="3B305B"/>
+                </a:solidFill>
+                <a:latin typeface="BC Sans"/>
+                <a:ea typeface="Verdana" panose="020B0604030504040204" pitchFamily="34" charset="0"/>
+              </a:rPr>
+              <a:t>}}</a:t>
+            </a:r>
+          </a:p>
+          <a:p>
+            <a:pPr marL="1496060" marR="3183255">
+              <a:lnSpc>
+                <a:spcPct val="123000"/>
+              </a:lnSpc>
+              <a:spcBef>
+                <a:spcPts val="515"/>
+              </a:spcBef>
+            </a:pPr>
             <a:endParaRPr lang="en-US" sz="1400" dirty="0">
-              <a:effectLst/>
+              <a:solidFill>
+                <a:srgbClr val="3B305B"/>
+              </a:solidFill>
               <a:latin typeface="BC Sans"/>
               <a:ea typeface="Verdana" panose="020B0604030504040204" pitchFamily="34" charset="0"/>
-              <a:cs typeface="Verdana" panose="020B0604030504040204" pitchFamily="34" charset="0"/>
             </a:endParaRPr>
           </a:p>
           <a:p>
-            <a:pPr marL="1497330" marR="0" lvl="0" indent="0" algn="l" defTabSz="914400" rtl="0" eaLnBrk="1" fontAlgn="auto" latinLnBrk="0" hangingPunct="1">
+            <a:pPr marL="1496060" marR="3183255">
               <a:lnSpc>
-                <a:spcPct val="100000"/>
+                <a:spcPct val="123000"/>
               </a:lnSpc>
               <a:spcBef>
-                <a:spcPts val="5"/>
+                <a:spcPts val="515"/>
               </a:spcBef>
-              <a:spcAft>
-                <a:spcPts val="0"/>
-              </a:spcAft>
-              <a:buClrTx/>
-              <a:buSzTx/>
-              <a:buFontTx/>
-              <a:buNone/>
-              <a:tabLst/>
-              <a:defRPr/>
             </a:pPr>
             <a:r>
-              <a:rPr kumimoji="0" lang="en-US" sz="2400" b="1" i="0" u="none" strike="noStrike" kern="1200" cap="none" spc="0" normalizeH="0" baseline="0" noProof="0" dirty="0">
-                <a:ln>
-                  <a:noFill/>
-                </a:ln>
+              <a:rPr lang="en-US" sz="1400" b="1" dirty="0">
                 <a:solidFill>
                   <a:srgbClr val="3B305B"/>
                 </a:solidFill>
-                <a:effectLst/>
-                <a:uLnTx/>
-                <a:uFillTx/>
                 <a:latin typeface="BC Sans"/>
                 <a:ea typeface="Verdana" panose="020B0604030504040204" pitchFamily="34" charset="0"/>
-                <a:cs typeface="Verdana" panose="020B0604030504040204" pitchFamily="34" charset="0"/>
               </a:rPr>
-              <a:t>{{</a:t>
-            </a:r>
-            <a:r>
-              <a:rPr kumimoji="0" lang="en-US" sz="2400" b="1" i="0" u="none" strike="noStrike" kern="1200" cap="none" spc="0" normalizeH="0" baseline="0" noProof="0" dirty="0" err="1">
-                <a:ln>
-                  <a:noFill/>
-                </a:ln>
+              <a:t>CONDITIONS: {{Condition}} </a:t>
+            </a:r>
+            <a:r>
+              <a:rPr lang="en-US" sz="1400" dirty="0">
                 <a:solidFill>
                   <a:srgbClr val="3B305B"/>
                 </a:solidFill>
-                <a:effectLst/>
-                <a:uLnTx/>
-                <a:uFillTx/>
                 <a:latin typeface="BC Sans"/>
                 <a:ea typeface="Verdana" panose="020B0604030504040204" pitchFamily="34" charset="0"/>
-                <a:cs typeface="Verdana" panose="020B0604030504040204" pitchFamily="34" charset="0"/>
               </a:rPr>
-              <a:t>RegistrantName</a:t>
-            </a:r>
-            <a:r>
-              <a:rPr kumimoji="0" lang="en-US" sz="2400" b="1" i="0" u="none" strike="noStrike" kern="1200" cap="none" spc="0" normalizeH="0" baseline="0" noProof="0" dirty="0">
-                <a:ln>
-                  <a:noFill/>
-                </a:ln>
-                <a:solidFill>
-                  <a:srgbClr val="3B305B"/>
-                </a:solidFill>
-                <a:effectLst/>
-                <a:uLnTx/>
-                <a:uFillTx/>
-                <a:latin typeface="BC Sans"/>
-                <a:ea typeface="Verdana" panose="020B0604030504040204" pitchFamily="34" charset="0"/>
-                <a:cs typeface="Verdana" panose="020B0604030504040204" pitchFamily="34" charset="0"/>
-              </a:rPr>
-              <a:t>}}</a:t>
-            </a:r>
-            <a:endParaRPr lang="en-CA" sz="1400" dirty="0">
+              <a:t>{{Condition1}} </a:t>
+            </a:r>
+            <a:endParaRPr lang="en-US" sz="1400" dirty="0">
               <a:effectLst/>
               <a:latin typeface="BC Sans"/>
               <a:ea typeface="Verdana" panose="020B0604030504040204" pitchFamily="34" charset="0"/>
@@ -4020,7 +4083,7 @@
                 <a:ea typeface="Verdana" panose="020B0604030504040204" pitchFamily="34" charset="0"/>
                 <a:cs typeface="Verdana" panose="020B0604030504040204" pitchFamily="34" charset="0"/>
               </a:rPr>
-              <a:t>Registration Certificate #: </a:t>
+              <a:t>Registration #: </a:t>
             </a:r>
             <a:r>
               <a:rPr lang="en-US" sz="1400" b="1" dirty="0">
@@ -4121,42 +4184,6 @@
           </a:p>
         </p:txBody>
       </p:sp>
-      <p:pic>
-        <p:nvPicPr>
-          <p:cNvPr id="14" name="Picture 13">
-            <a:extLst>
-              <a:ext uri="{FF2B5EF4-FFF2-40B4-BE49-F238E27FC236}">
-                <a16:creationId xmlns:a16="http://schemas.microsoft.com/office/drawing/2014/main" id="{2300474E-918B-25F2-ADD6-66ECE663A1DD}"/>
-              </a:ext>
-            </a:extLst>
-          </p:cNvPr>
-          <p:cNvPicPr>
-            <a:picLocks noChangeAspect="1"/>
-          </p:cNvPicPr>
-          <p:nvPr/>
-        </p:nvPicPr>
-        <p:blipFill>
-          <a:blip r:embed="rId5">
-            <a:extLst>
-              <a:ext uri="{28A0092B-C50C-407E-A947-70E740481C1C}">
-                <a14:useLocalDpi xmlns:a14="http://schemas.microsoft.com/office/drawing/2010/main" val="0"/>
-              </a:ext>
-            </a:extLst>
-          </a:blip>
-          <a:stretch>
-            <a:fillRect/>
-          </a:stretch>
-        </p:blipFill>
-        <p:spPr>
-          <a:xfrm>
-            <a:off x="2762170" y="6591787"/>
-            <a:ext cx="2743200" cy="317500"/>
-          </a:xfrm>
-          <a:prstGeom prst="rect">
-            <a:avLst/>
-          </a:prstGeom>
-        </p:spPr>
-      </p:pic>
       <p:sp>
         <p:nvSpPr>
           <p:cNvPr id="2" name="TextBox 1">
@@ -4288,6 +4315,76 @@
               </a:rPr>
               <a:t>}}  </a:t>
             </a:r>
+          </a:p>
+        </p:txBody>
+      </p:sp>
+      <p:sp>
+        <p:nvSpPr>
+          <p:cNvPr id="14" name="TextBox 13">
+            <a:extLst>
+              <a:ext uri="{FF2B5EF4-FFF2-40B4-BE49-F238E27FC236}">
+                <a16:creationId xmlns:a16="http://schemas.microsoft.com/office/drawing/2014/main" id="{57D8A3F2-1C6B-22B4-1BD9-38839FC9A349}"/>
+              </a:ext>
+            </a:extLst>
+          </p:cNvPr>
+          <p:cNvSpPr txBox="1"/>
+          <p:nvPr/>
+        </p:nvSpPr>
+        <p:spPr>
+          <a:xfrm>
+            <a:off x="3426793" y="6516955"/>
+            <a:ext cx="2228049" cy="523220"/>
+          </a:xfrm>
+          <a:prstGeom prst="rect">
+            <a:avLst/>
+          </a:prstGeom>
+          <a:noFill/>
+        </p:spPr>
+        <p:txBody>
+          <a:bodyPr wrap="square" rtlCol="0">
+            <a:spAutoFit/>
+          </a:bodyPr>
+          <a:lstStyle/>
+          <a:p>
+            <a:r>
+              <a:rPr lang="en-US" sz="1400" dirty="0">
+                <a:solidFill>
+                  <a:srgbClr val="3B305B"/>
+                </a:solidFill>
+                <a:latin typeface="BC Sans"/>
+                <a:ea typeface="Verdana" panose="020B0604030504040204" pitchFamily="34" charset="0"/>
+              </a:rPr>
+              <a:t>{{</a:t>
+            </a:r>
+            <a:r>
+              <a:rPr lang="en-US" sz="1400" dirty="0" err="1">
+                <a:solidFill>
+                  <a:srgbClr val="3B305B"/>
+                </a:solidFill>
+                <a:latin typeface="BC Sans"/>
+                <a:ea typeface="Verdana" panose="020B0604030504040204" pitchFamily="34" charset="0"/>
+              </a:rPr>
+              <a:t>IMG_Document_Image</a:t>
+            </a:r>
+            <a:r>
+              <a:rPr lang="en-US" sz="1400" dirty="0">
+                <a:solidFill>
+                  <a:srgbClr val="3B305B"/>
+                </a:solidFill>
+                <a:latin typeface="BC Sans"/>
+                <a:ea typeface="Verdana" panose="020B0604030504040204" pitchFamily="34" charset="0"/>
+              </a:rPr>
+              <a:t>}}</a:t>
+            </a:r>
+          </a:p>
+          <a:p>
+            <a:endParaRPr lang="en-US" sz="1400" b="0" dirty="0">
+              <a:solidFill>
+                <a:srgbClr val="000000"/>
+              </a:solidFill>
+              <a:effectLst/>
+              <a:latin typeface="Consolas" panose="020B0609020204030204" pitchFamily="49" charset="0"/>
+            </a:endParaRPr>
           </a:p>
         </p:txBody>
       </p:sp>
